--- a/arrayInputs/output.pptx
+++ b/arrayInputs/output.pptx
@@ -247,7 +247,7 @@
           <a:p>
             <a:fld id="{EA5F46B5-91F1-4351-B599-55A257373B7C}" type="datetimeFigureOut">
               <a:rPr lang="zh-CN" altLang="en-US" smtClean="0"/>
-              <a:t>2019/2/20</a:t>
+              <a:t>2019/2/23</a:t>
             </a:fld>
             <a:endParaRPr lang="zh-CN" altLang="en-US"/>
           </a:p>
@@ -417,7 +417,7 @@
           <a:p>
             <a:fld id="{EA5F46B5-91F1-4351-B599-55A257373B7C}" type="datetimeFigureOut">
               <a:rPr lang="zh-CN" altLang="en-US" smtClean="0"/>
-              <a:t>2019/2/20</a:t>
+              <a:t>2019/2/23</a:t>
             </a:fld>
             <a:endParaRPr lang="zh-CN" altLang="en-US"/>
           </a:p>
@@ -597,7 +597,7 @@
           <a:p>
             <a:fld id="{EA5F46B5-91F1-4351-B599-55A257373B7C}" type="datetimeFigureOut">
               <a:rPr lang="zh-CN" altLang="en-US" smtClean="0"/>
-              <a:t>2019/2/20</a:t>
+              <a:t>2019/2/23</a:t>
             </a:fld>
             <a:endParaRPr lang="zh-CN" altLang="en-US"/>
           </a:p>
@@ -767,7 +767,7 @@
           <a:p>
             <a:fld id="{EA5F46B5-91F1-4351-B599-55A257373B7C}" type="datetimeFigureOut">
               <a:rPr lang="zh-CN" altLang="en-US" smtClean="0"/>
-              <a:t>2019/2/20</a:t>
+              <a:t>2019/2/23</a:t>
             </a:fld>
             <a:endParaRPr lang="zh-CN" altLang="en-US"/>
           </a:p>
@@ -1013,7 +1013,7 @@
           <a:p>
             <a:fld id="{EA5F46B5-91F1-4351-B599-55A257373B7C}" type="datetimeFigureOut">
               <a:rPr lang="zh-CN" altLang="en-US" smtClean="0"/>
-              <a:t>2019/2/20</a:t>
+              <a:t>2019/2/23</a:t>
             </a:fld>
             <a:endParaRPr lang="zh-CN" altLang="en-US"/>
           </a:p>
@@ -1245,7 +1245,7 @@
           <a:p>
             <a:fld id="{EA5F46B5-91F1-4351-B599-55A257373B7C}" type="datetimeFigureOut">
               <a:rPr lang="zh-CN" altLang="en-US" smtClean="0"/>
-              <a:t>2019/2/20</a:t>
+              <a:t>2019/2/23</a:t>
             </a:fld>
             <a:endParaRPr lang="zh-CN" altLang="en-US"/>
           </a:p>
@@ -1612,7 +1612,7 @@
           <a:p>
             <a:fld id="{EA5F46B5-91F1-4351-B599-55A257373B7C}" type="datetimeFigureOut">
               <a:rPr lang="zh-CN" altLang="en-US" smtClean="0"/>
-              <a:t>2019/2/20</a:t>
+              <a:t>2019/2/23</a:t>
             </a:fld>
             <a:endParaRPr lang="zh-CN" altLang="en-US"/>
           </a:p>
@@ -1730,7 +1730,7 @@
           <a:p>
             <a:fld id="{EA5F46B5-91F1-4351-B599-55A257373B7C}" type="datetimeFigureOut">
               <a:rPr lang="zh-CN" altLang="en-US" smtClean="0"/>
-              <a:t>2019/2/20</a:t>
+              <a:t>2019/2/23</a:t>
             </a:fld>
             <a:endParaRPr lang="zh-CN" altLang="en-US"/>
           </a:p>
@@ -1825,7 +1825,7 @@
           <a:p>
             <a:fld id="{EA5F46B5-91F1-4351-B599-55A257373B7C}" type="datetimeFigureOut">
               <a:rPr lang="zh-CN" altLang="en-US" smtClean="0"/>
-              <a:t>2019/2/20</a:t>
+              <a:t>2019/2/23</a:t>
             </a:fld>
             <a:endParaRPr lang="zh-CN" altLang="en-US"/>
           </a:p>
@@ -2102,7 +2102,7 @@
           <a:p>
             <a:fld id="{EA5F46B5-91F1-4351-B599-55A257373B7C}" type="datetimeFigureOut">
               <a:rPr lang="zh-CN" altLang="en-US" smtClean="0"/>
-              <a:t>2019/2/20</a:t>
+              <a:t>2019/2/23</a:t>
             </a:fld>
             <a:endParaRPr lang="zh-CN" altLang="en-US"/>
           </a:p>
@@ -2355,7 +2355,7 @@
           <a:p>
             <a:fld id="{EA5F46B5-91F1-4351-B599-55A257373B7C}" type="datetimeFigureOut">
               <a:rPr lang="zh-CN" altLang="en-US" smtClean="0"/>
-              <a:t>2019/2/20</a:t>
+              <a:t>2019/2/23</a:t>
             </a:fld>
             <a:endParaRPr lang="zh-CN" altLang="en-US"/>
           </a:p>
@@ -2568,7 +2568,7 @@
           <a:p>
             <a:fld id="{EA5F46B5-91F1-4351-B599-55A257373B7C}" type="datetimeFigureOut">
               <a:rPr lang="zh-CN" altLang="en-US" smtClean="0"/>
-              <a:t>2019/2/20</a:t>
+              <a:t>2019/2/23</a:t>
             </a:fld>
             <a:endParaRPr lang="zh-CN" altLang="en-US"/>
           </a:p>
@@ -3620,6 +3620,36 @@
           </a:fontRef>
         </p:style>
       </p:cxnSp>
+      <p:sp>
+        <p:nvSpPr>
+          <p:cNvPr id="2" name="文本框 1"/>
+          <p:cNvSpPr txBox="1"/>
+          <p:nvPr/>
+        </p:nvSpPr>
+        <p:spPr>
+          <a:xfrm>
+            <a:off x="1136469" y="143691"/>
+            <a:ext cx="1099981" cy="369332"/>
+          </a:xfrm>
+          <a:prstGeom prst="rect">
+            <a:avLst/>
+          </a:prstGeom>
+          <a:noFill/>
+        </p:spPr>
+        <p:txBody>
+          <a:bodyPr wrap="none" rtlCol="0">
+            <a:spAutoFit/>
+          </a:bodyPr>
+          <a:lstStyle/>
+          <a:p>
+            <a:r>
+              <a:rPr lang="en-US" altLang="zh-CN" dirty="0" smtClean="0"/>
+              <a:t>C6H5OCl</a:t>
+            </a:r>
+            <a:endParaRPr lang="zh-CN" altLang="en-US" dirty="0"/>
+          </a:p>
+        </p:txBody>
+      </p:sp>
     </p:spTree>
     <p:extLst>
       <p:ext uri="{BB962C8B-B14F-4D97-AF65-F5344CB8AC3E}">
@@ -5815,6 +5845,36 @@
           </a:fontRef>
         </p:style>
       </p:cxnSp>
+      <p:sp>
+        <p:nvSpPr>
+          <p:cNvPr id="2" name="文本框 1"/>
+          <p:cNvSpPr txBox="1"/>
+          <p:nvPr/>
+        </p:nvSpPr>
+        <p:spPr>
+          <a:xfrm>
+            <a:off x="1280160" y="391886"/>
+            <a:ext cx="570990" cy="369332"/>
+          </a:xfrm>
+          <a:prstGeom prst="rect">
+            <a:avLst/>
+          </a:prstGeom>
+          <a:noFill/>
+        </p:spPr>
+        <p:txBody>
+          <a:bodyPr wrap="none" rtlCol="0">
+            <a:spAutoFit/>
+          </a:bodyPr>
+          <a:lstStyle/>
+          <a:p>
+            <a:r>
+              <a:rPr lang="en-US" altLang="zh-CN" dirty="0" smtClean="0"/>
+              <a:t>C13</a:t>
+            </a:r>
+            <a:endParaRPr lang="zh-CN" altLang="en-US" dirty="0"/>
+          </a:p>
+        </p:txBody>
+      </p:sp>
     </p:spTree>
     <p:extLst>
       <p:ext uri="{BB962C8B-B14F-4D97-AF65-F5344CB8AC3E}">
@@ -6356,6 +6416,36 @@
           </a:p>
         </p:txBody>
       </p:sp>
+      <p:sp>
+        <p:nvSpPr>
+          <p:cNvPr id="2" name="文本框 1"/>
+          <p:cNvSpPr txBox="1"/>
+          <p:nvPr/>
+        </p:nvSpPr>
+        <p:spPr>
+          <a:xfrm>
+            <a:off x="966651" y="326571"/>
+            <a:ext cx="1680268" cy="369332"/>
+          </a:xfrm>
+          <a:prstGeom prst="rect">
+            <a:avLst/>
+          </a:prstGeom>
+          <a:noFill/>
+        </p:spPr>
+        <p:txBody>
+          <a:bodyPr wrap="none" rtlCol="0">
+            <a:spAutoFit/>
+          </a:bodyPr>
+          <a:lstStyle/>
+          <a:p>
+            <a:r>
+              <a:rPr lang="en-US" altLang="zh-CN" dirty="0" smtClean="0"/>
+              <a:t>ThreeCircleC13</a:t>
+            </a:r>
+            <a:endParaRPr lang="zh-CN" altLang="en-US" dirty="0"/>
+          </a:p>
+        </p:txBody>
+      </p:sp>
     </p:spTree>
     <p:extLst>
       <p:ext uri="{BB962C8B-B14F-4D97-AF65-F5344CB8AC3E}">
@@ -6416,6 +6506,36 @@
           </a:prstGeom>
         </p:spPr>
       </p:pic>
+      <p:sp>
+        <p:nvSpPr>
+          <p:cNvPr id="2" name="文本框 1"/>
+          <p:cNvSpPr txBox="1"/>
+          <p:nvPr/>
+        </p:nvSpPr>
+        <p:spPr>
+          <a:xfrm>
+            <a:off x="1110343" y="404949"/>
+            <a:ext cx="830677" cy="369332"/>
+          </a:xfrm>
+          <a:prstGeom prst="rect">
+            <a:avLst/>
+          </a:prstGeom>
+          <a:noFill/>
+        </p:spPr>
+        <p:txBody>
+          <a:bodyPr wrap="none" rtlCol="0">
+            <a:spAutoFit/>
+          </a:bodyPr>
+          <a:lstStyle/>
+          <a:p>
+            <a:r>
+              <a:rPr lang="en-US" altLang="zh-CN" dirty="0" smtClean="0"/>
+              <a:t>COHN</a:t>
+            </a:r>
+            <a:endParaRPr lang="zh-CN" altLang="en-US" dirty="0"/>
+          </a:p>
+        </p:txBody>
+      </p:sp>
     </p:spTree>
     <p:extLst>
       <p:ext uri="{BB962C8B-B14F-4D97-AF65-F5344CB8AC3E}">

--- a/arrayInputs/output.pptx
+++ b/arrayInputs/output.pptx
@@ -10,6 +10,9 @@
     <p:sldId id="257" r:id="rId4"/>
     <p:sldId id="258" r:id="rId5"/>
     <p:sldId id="259" r:id="rId6"/>
+    <p:sldId id="261" r:id="rId7"/>
+    <p:sldId id="262" r:id="rId8"/>
+    <p:sldId id="263" r:id="rId9"/>
   </p:sldIdLst>
   <p:sldSz cx="12192000" cy="6858000"/>
   <p:notesSz cx="6858000" cy="9144000"/>
@@ -247,7 +250,7 @@
           <a:p>
             <a:fld id="{EA5F46B5-91F1-4351-B599-55A257373B7C}" type="datetimeFigureOut">
               <a:rPr lang="zh-CN" altLang="en-US" smtClean="0"/>
-              <a:t>2019/2/23</a:t>
+              <a:t>2019/3/28</a:t>
             </a:fld>
             <a:endParaRPr lang="zh-CN" altLang="en-US"/>
           </a:p>
@@ -417,7 +420,7 @@
           <a:p>
             <a:fld id="{EA5F46B5-91F1-4351-B599-55A257373B7C}" type="datetimeFigureOut">
               <a:rPr lang="zh-CN" altLang="en-US" smtClean="0"/>
-              <a:t>2019/2/23</a:t>
+              <a:t>2019/3/28</a:t>
             </a:fld>
             <a:endParaRPr lang="zh-CN" altLang="en-US"/>
           </a:p>
@@ -597,7 +600,7 @@
           <a:p>
             <a:fld id="{EA5F46B5-91F1-4351-B599-55A257373B7C}" type="datetimeFigureOut">
               <a:rPr lang="zh-CN" altLang="en-US" smtClean="0"/>
-              <a:t>2019/2/23</a:t>
+              <a:t>2019/3/28</a:t>
             </a:fld>
             <a:endParaRPr lang="zh-CN" altLang="en-US"/>
           </a:p>
@@ -767,7 +770,7 @@
           <a:p>
             <a:fld id="{EA5F46B5-91F1-4351-B599-55A257373B7C}" type="datetimeFigureOut">
               <a:rPr lang="zh-CN" altLang="en-US" smtClean="0"/>
-              <a:t>2019/2/23</a:t>
+              <a:t>2019/3/28</a:t>
             </a:fld>
             <a:endParaRPr lang="zh-CN" altLang="en-US"/>
           </a:p>
@@ -1013,7 +1016,7 @@
           <a:p>
             <a:fld id="{EA5F46B5-91F1-4351-B599-55A257373B7C}" type="datetimeFigureOut">
               <a:rPr lang="zh-CN" altLang="en-US" smtClean="0"/>
-              <a:t>2019/2/23</a:t>
+              <a:t>2019/3/28</a:t>
             </a:fld>
             <a:endParaRPr lang="zh-CN" altLang="en-US"/>
           </a:p>
@@ -1245,7 +1248,7 @@
           <a:p>
             <a:fld id="{EA5F46B5-91F1-4351-B599-55A257373B7C}" type="datetimeFigureOut">
               <a:rPr lang="zh-CN" altLang="en-US" smtClean="0"/>
-              <a:t>2019/2/23</a:t>
+              <a:t>2019/3/28</a:t>
             </a:fld>
             <a:endParaRPr lang="zh-CN" altLang="en-US"/>
           </a:p>
@@ -1612,7 +1615,7 @@
           <a:p>
             <a:fld id="{EA5F46B5-91F1-4351-B599-55A257373B7C}" type="datetimeFigureOut">
               <a:rPr lang="zh-CN" altLang="en-US" smtClean="0"/>
-              <a:t>2019/2/23</a:t>
+              <a:t>2019/3/28</a:t>
             </a:fld>
             <a:endParaRPr lang="zh-CN" altLang="en-US"/>
           </a:p>
@@ -1730,7 +1733,7 @@
           <a:p>
             <a:fld id="{EA5F46B5-91F1-4351-B599-55A257373B7C}" type="datetimeFigureOut">
               <a:rPr lang="zh-CN" altLang="en-US" smtClean="0"/>
-              <a:t>2019/2/23</a:t>
+              <a:t>2019/3/28</a:t>
             </a:fld>
             <a:endParaRPr lang="zh-CN" altLang="en-US"/>
           </a:p>
@@ -1825,7 +1828,7 @@
           <a:p>
             <a:fld id="{EA5F46B5-91F1-4351-B599-55A257373B7C}" type="datetimeFigureOut">
               <a:rPr lang="zh-CN" altLang="en-US" smtClean="0"/>
-              <a:t>2019/2/23</a:t>
+              <a:t>2019/3/28</a:t>
             </a:fld>
             <a:endParaRPr lang="zh-CN" altLang="en-US"/>
           </a:p>
@@ -2102,7 +2105,7 @@
           <a:p>
             <a:fld id="{EA5F46B5-91F1-4351-B599-55A257373B7C}" type="datetimeFigureOut">
               <a:rPr lang="zh-CN" altLang="en-US" smtClean="0"/>
-              <a:t>2019/2/23</a:t>
+              <a:t>2019/3/28</a:t>
             </a:fld>
             <a:endParaRPr lang="zh-CN" altLang="en-US"/>
           </a:p>
@@ -2355,7 +2358,7 @@
           <a:p>
             <a:fld id="{EA5F46B5-91F1-4351-B599-55A257373B7C}" type="datetimeFigureOut">
               <a:rPr lang="zh-CN" altLang="en-US" smtClean="0"/>
-              <a:t>2019/2/23</a:t>
+              <a:t>2019/3/28</a:t>
             </a:fld>
             <a:endParaRPr lang="zh-CN" altLang="en-US"/>
           </a:p>
@@ -2568,7 +2571,7 @@
           <a:p>
             <a:fld id="{EA5F46B5-91F1-4351-B599-55A257373B7C}" type="datetimeFigureOut">
               <a:rPr lang="zh-CN" altLang="en-US" smtClean="0"/>
-              <a:t>2019/2/23</a:t>
+              <a:t>2019/3/28</a:t>
             </a:fld>
             <a:endParaRPr lang="zh-CN" altLang="en-US"/>
           </a:p>
@@ -6549,6 +6552,336 @@
 </p:sld>
 </file>
 
+<file path=ppt/slides/slide6.xml><?xml version="1.0" encoding="utf-8"?>
+<p:sld xmlns:a="http://schemas.openxmlformats.org/drawingml/2006/main" xmlns:r="http://schemas.openxmlformats.org/officeDocument/2006/relationships" xmlns:p="http://schemas.openxmlformats.org/presentationml/2006/main">
+  <p:cSld>
+    <p:spTree>
+      <p:nvGrpSpPr>
+        <p:cNvPr id="1" name=""/>
+        <p:cNvGrpSpPr/>
+        <p:nvPr/>
+      </p:nvGrpSpPr>
+      <p:grpSpPr>
+        <a:xfrm>
+          <a:off x="0" y="0"/>
+          <a:ext cx="0" cy="0"/>
+          <a:chOff x="0" y="0"/>
+          <a:chExt cx="0" cy="0"/>
+        </a:xfrm>
+      </p:grpSpPr>
+      <p:pic>
+        <p:nvPicPr>
+          <p:cNvPr id="4" name="图片 3"/>
+          <p:cNvPicPr>
+            <a:picLocks noChangeAspect="1"/>
+          </p:cNvPicPr>
+          <p:nvPr/>
+        </p:nvPicPr>
+        <p:blipFill>
+          <a:blip r:embed="rId2">
+            <a:extLst>
+              <a:ext uri="{28A0092B-C50C-407E-A947-70E740481C1C}">
+                <a14:useLocalDpi xmlns:a14="http://schemas.microsoft.com/office/drawing/2010/main" val="0"/>
+              </a:ext>
+            </a:extLst>
+          </a:blip>
+          <a:stretch>
+            <a:fillRect/>
+          </a:stretch>
+        </p:blipFill>
+        <p:spPr>
+          <a:xfrm>
+            <a:off x="6448336" y="234620"/>
+            <a:ext cx="5122563" cy="2554926"/>
+          </a:xfrm>
+          <a:prstGeom prst="rect">
+            <a:avLst/>
+          </a:prstGeom>
+        </p:spPr>
+      </p:pic>
+      <p:pic>
+        <p:nvPicPr>
+          <p:cNvPr id="6" name="图片 5"/>
+          <p:cNvPicPr>
+            <a:picLocks noChangeAspect="1"/>
+          </p:cNvPicPr>
+          <p:nvPr/>
+        </p:nvPicPr>
+        <p:blipFill>
+          <a:blip r:embed="rId3">
+            <a:extLst>
+              <a:ext uri="{28A0092B-C50C-407E-A947-70E740481C1C}">
+                <a14:useLocalDpi xmlns:a14="http://schemas.microsoft.com/office/drawing/2010/main" val="0"/>
+              </a:ext>
+            </a:extLst>
+          </a:blip>
+          <a:stretch>
+            <a:fillRect/>
+          </a:stretch>
+        </p:blipFill>
+        <p:spPr>
+          <a:xfrm>
+            <a:off x="6567263" y="3669191"/>
+            <a:ext cx="5469310" cy="2576333"/>
+          </a:xfrm>
+          <a:prstGeom prst="rect">
+            <a:avLst/>
+          </a:prstGeom>
+        </p:spPr>
+      </p:pic>
+      <p:sp>
+        <p:nvSpPr>
+          <p:cNvPr id="8" name="文本框 7"/>
+          <p:cNvSpPr txBox="1"/>
+          <p:nvPr/>
+        </p:nvSpPr>
+        <p:spPr>
+          <a:xfrm>
+            <a:off x="2058838" y="1426233"/>
+            <a:ext cx="2386641" cy="923330"/>
+          </a:xfrm>
+          <a:prstGeom prst="rect">
+            <a:avLst/>
+          </a:prstGeom>
+          <a:noFill/>
+        </p:spPr>
+        <p:txBody>
+          <a:bodyPr wrap="square" rtlCol="0">
+            <a:spAutoFit/>
+          </a:bodyPr>
+          <a:lstStyle/>
+          <a:p>
+            <a:r>
+              <a:rPr lang="en-US" altLang="zh-CN" sz="5400" dirty="0" smtClean="0"/>
+              <a:t>JIANG1</a:t>
+            </a:r>
+            <a:endParaRPr lang="zh-CN" altLang="en-US" sz="5400" dirty="0"/>
+          </a:p>
+        </p:txBody>
+      </p:sp>
+      <p:sp>
+        <p:nvSpPr>
+          <p:cNvPr id="9" name="文本框 8"/>
+          <p:cNvSpPr txBox="1"/>
+          <p:nvPr/>
+        </p:nvSpPr>
+        <p:spPr>
+          <a:xfrm>
+            <a:off x="2119222" y="4454105"/>
+            <a:ext cx="2386641" cy="923330"/>
+          </a:xfrm>
+          <a:prstGeom prst="rect">
+            <a:avLst/>
+          </a:prstGeom>
+          <a:noFill/>
+        </p:spPr>
+        <p:txBody>
+          <a:bodyPr wrap="square" rtlCol="0">
+            <a:spAutoFit/>
+          </a:bodyPr>
+          <a:lstStyle/>
+          <a:p>
+            <a:r>
+              <a:rPr lang="en-US" altLang="zh-CN" sz="5400" dirty="0" smtClean="0"/>
+              <a:t>JIANG2</a:t>
+            </a:r>
+            <a:endParaRPr lang="zh-CN" altLang="en-US" sz="5400" dirty="0"/>
+          </a:p>
+        </p:txBody>
+      </p:sp>
+    </p:spTree>
+    <p:extLst>
+      <p:ext uri="{BB962C8B-B14F-4D97-AF65-F5344CB8AC3E}">
+        <p14:creationId xmlns:p14="http://schemas.microsoft.com/office/powerpoint/2010/main" val="2089063505"/>
+      </p:ext>
+    </p:extLst>
+  </p:cSld>
+  <p:clrMapOvr>
+    <a:masterClrMapping/>
+  </p:clrMapOvr>
+</p:sld>
+</file>
+
+<file path=ppt/slides/slide7.xml><?xml version="1.0" encoding="utf-8"?>
+<p:sld xmlns:a="http://schemas.openxmlformats.org/drawingml/2006/main" xmlns:r="http://schemas.openxmlformats.org/officeDocument/2006/relationships" xmlns:p="http://schemas.openxmlformats.org/presentationml/2006/main">
+  <p:cSld>
+    <p:spTree>
+      <p:nvGrpSpPr>
+        <p:cNvPr id="1" name=""/>
+        <p:cNvGrpSpPr/>
+        <p:nvPr/>
+      </p:nvGrpSpPr>
+      <p:grpSpPr>
+        <a:xfrm>
+          <a:off x="0" y="0"/>
+          <a:ext cx="0" cy="0"/>
+          <a:chOff x="0" y="0"/>
+          <a:chExt cx="0" cy="0"/>
+        </a:xfrm>
+      </p:grpSpPr>
+      <p:pic>
+        <p:nvPicPr>
+          <p:cNvPr id="4" name="图片 3"/>
+          <p:cNvPicPr>
+            <a:picLocks noChangeAspect="1"/>
+          </p:cNvPicPr>
+          <p:nvPr/>
+        </p:nvPicPr>
+        <p:blipFill>
+          <a:blip r:embed="rId2">
+            <a:extLst>
+              <a:ext uri="{28A0092B-C50C-407E-A947-70E740481C1C}">
+                <a14:useLocalDpi xmlns:a14="http://schemas.microsoft.com/office/drawing/2010/main" val="0"/>
+              </a:ext>
+            </a:extLst>
+          </a:blip>
+          <a:stretch>
+            <a:fillRect/>
+          </a:stretch>
+        </p:blipFill>
+        <p:spPr>
+          <a:xfrm>
+            <a:off x="1586360" y="390795"/>
+            <a:ext cx="8891079" cy="3979922"/>
+          </a:xfrm>
+          <a:prstGeom prst="rect">
+            <a:avLst/>
+          </a:prstGeom>
+        </p:spPr>
+      </p:pic>
+      <p:sp>
+        <p:nvSpPr>
+          <p:cNvPr id="5" name="文本框 4"/>
+          <p:cNvSpPr txBox="1"/>
+          <p:nvPr/>
+        </p:nvSpPr>
+        <p:spPr>
+          <a:xfrm>
+            <a:off x="4781909" y="5190226"/>
+            <a:ext cx="2386641" cy="923330"/>
+          </a:xfrm>
+          <a:prstGeom prst="rect">
+            <a:avLst/>
+          </a:prstGeom>
+          <a:noFill/>
+        </p:spPr>
+        <p:txBody>
+          <a:bodyPr wrap="square" rtlCol="0">
+            <a:spAutoFit/>
+          </a:bodyPr>
+          <a:lstStyle/>
+          <a:p>
+            <a:r>
+              <a:rPr lang="en-US" altLang="zh-CN" sz="5400" dirty="0" smtClean="0"/>
+              <a:t>JIANG3</a:t>
+            </a:r>
+            <a:endParaRPr lang="zh-CN" altLang="en-US" sz="5400" dirty="0"/>
+          </a:p>
+        </p:txBody>
+      </p:sp>
+    </p:spTree>
+    <p:extLst>
+      <p:ext uri="{BB962C8B-B14F-4D97-AF65-F5344CB8AC3E}">
+        <p14:creationId xmlns:p14="http://schemas.microsoft.com/office/powerpoint/2010/main" val="1536168369"/>
+      </p:ext>
+    </p:extLst>
+  </p:cSld>
+  <p:clrMapOvr>
+    <a:masterClrMapping/>
+  </p:clrMapOvr>
+</p:sld>
+</file>
+
+<file path=ppt/slides/slide8.xml><?xml version="1.0" encoding="utf-8"?>
+<p:sld xmlns:a="http://schemas.openxmlformats.org/drawingml/2006/main" xmlns:r="http://schemas.openxmlformats.org/officeDocument/2006/relationships" xmlns:p="http://schemas.openxmlformats.org/presentationml/2006/main">
+  <p:cSld>
+    <p:spTree>
+      <p:nvGrpSpPr>
+        <p:cNvPr id="1" name=""/>
+        <p:cNvGrpSpPr/>
+        <p:nvPr/>
+      </p:nvGrpSpPr>
+      <p:grpSpPr>
+        <a:xfrm>
+          <a:off x="0" y="0"/>
+          <a:ext cx="0" cy="0"/>
+          <a:chOff x="0" y="0"/>
+          <a:chExt cx="0" cy="0"/>
+        </a:xfrm>
+      </p:grpSpPr>
+      <p:sp>
+        <p:nvSpPr>
+          <p:cNvPr id="4" name="文本框 3"/>
+          <p:cNvSpPr txBox="1"/>
+          <p:nvPr/>
+        </p:nvSpPr>
+        <p:spPr>
+          <a:xfrm>
+            <a:off x="1354347" y="2947358"/>
+            <a:ext cx="2386641" cy="923330"/>
+          </a:xfrm>
+          <a:prstGeom prst="rect">
+            <a:avLst/>
+          </a:prstGeom>
+          <a:noFill/>
+        </p:spPr>
+        <p:txBody>
+          <a:bodyPr wrap="square" rtlCol="0">
+            <a:spAutoFit/>
+          </a:bodyPr>
+          <a:lstStyle/>
+          <a:p>
+            <a:r>
+              <a:rPr lang="en-US" altLang="zh-CN" sz="5400" dirty="0" smtClean="0"/>
+              <a:t>TANG</a:t>
+            </a:r>
+            <a:endParaRPr lang="zh-CN" altLang="en-US" sz="5400" dirty="0"/>
+          </a:p>
+        </p:txBody>
+      </p:sp>
+      <p:pic>
+        <p:nvPicPr>
+          <p:cNvPr id="5" name="图片 4"/>
+          <p:cNvPicPr>
+            <a:picLocks noChangeAspect="1"/>
+          </p:cNvPicPr>
+          <p:nvPr/>
+        </p:nvPicPr>
+        <p:blipFill>
+          <a:blip r:embed="rId2" cstate="print">
+            <a:extLst>
+              <a:ext uri="{28A0092B-C50C-407E-A947-70E740481C1C}">
+                <a14:useLocalDpi xmlns:a14="http://schemas.microsoft.com/office/drawing/2010/main" val="0"/>
+              </a:ext>
+            </a:extLst>
+          </a:blip>
+          <a:stretch>
+            <a:fillRect/>
+          </a:stretch>
+        </p:blipFill>
+        <p:spPr>
+          <a:xfrm rot="16200000">
+            <a:off x="5272537" y="-19977"/>
+            <a:ext cx="5143500" cy="6858000"/>
+          </a:xfrm>
+          <a:prstGeom prst="rect">
+            <a:avLst/>
+          </a:prstGeom>
+        </p:spPr>
+      </p:pic>
+    </p:spTree>
+    <p:extLst>
+      <p:ext uri="{BB962C8B-B14F-4D97-AF65-F5344CB8AC3E}">
+        <p14:creationId xmlns:p14="http://schemas.microsoft.com/office/powerpoint/2010/main" val="3432567959"/>
+      </p:ext>
+    </p:extLst>
+  </p:cSld>
+  <p:clrMapOvr>
+    <a:masterClrMapping/>
+  </p:clrMapOvr>
+</p:sld>
+</file>
+
 <file path=ppt/theme/theme1.xml><?xml version="1.0" encoding="utf-8"?>
 <a:theme xmlns:a="http://schemas.openxmlformats.org/drawingml/2006/main" name="Office 主题​​">
   <a:themeElements>
